--- a/Notes/07_2_Lighting_2.pptx
+++ b/Notes/07_2_Lighting_2.pptx
@@ -534,14 +534,14 @@
           <a:ln/>
           <a:extLst>
             <a:ext uri="{909E8E84-426E-40dd-AFC4-6F175D3DCCD1}">
-              <a14:hiddenFill xmlns="" xmlns:a14="http://schemas.microsoft.com/office/drawing/2010/main">
+              <a14:hiddenFill xmlns:a14="http://schemas.microsoft.com/office/drawing/2010/main" xmlns="">
                 <a:solidFill>
                   <a:srgbClr val="FFFFFF"/>
                 </a:solidFill>
               </a14:hiddenFill>
             </a:ext>
             <a:ext uri="{91240B29-F687-4f45-9708-019B960494DF}">
-              <a14:hiddenLine xmlns="" xmlns:a14="http://schemas.microsoft.com/office/drawing/2010/main" w="9525">
+              <a14:hiddenLine xmlns:a14="http://schemas.microsoft.com/office/drawing/2010/main" xmlns="" w="9525">
                 <a:solidFill>
                   <a:srgbClr val="000000"/>
                 </a:solidFill>
@@ -576,14 +576,14 @@
           <a:ln/>
           <a:extLst>
             <a:ext uri="{909E8E84-426E-40dd-AFC4-6F175D3DCCD1}">
-              <a14:hiddenFill xmlns="" xmlns:a14="http://schemas.microsoft.com/office/drawing/2010/main">
+              <a14:hiddenFill xmlns:a14="http://schemas.microsoft.com/office/drawing/2010/main" xmlns="">
                 <a:solidFill>
                   <a:srgbClr val="FFFFFF"/>
                 </a:solidFill>
               </a14:hiddenFill>
             </a:ext>
             <a:ext uri="{91240B29-F687-4f45-9708-019B960494DF}">
-              <a14:hiddenLine xmlns="" xmlns:a14="http://schemas.microsoft.com/office/drawing/2010/main" w="9525">
+              <a14:hiddenLine xmlns:a14="http://schemas.microsoft.com/office/drawing/2010/main" xmlns="" w="9525">
                 <a:solidFill>
                   <a:srgbClr val="000000"/>
                 </a:solidFill>
@@ -4915,15 +4915,7 @@
             </a:r>
             <a:r>
               <a:rPr kumimoji="1" lang="ko-KR" altLang="en-US" dirty="0"/>
-              <a:t>를 </a:t>
-            </a:r>
-            <a:r>
-              <a:rPr kumimoji="1" lang="en-US" altLang="ko-KR" dirty="0"/>
-              <a:t>assign </a:t>
-            </a:r>
-            <a:r>
-              <a:rPr kumimoji="1" lang="ko-KR" altLang="en-US" dirty="0"/>
-              <a:t>받을 것입니다</a:t>
+              <a:t>입니다</a:t>
             </a:r>
             <a:r>
               <a:rPr kumimoji="1" lang="en-US" altLang="ko-KR" dirty="0"/>
@@ -10552,7 +10544,7 @@
         <p:spPr>
           <a:xfrm>
             <a:off x="473529" y="1193799"/>
-            <a:ext cx="8430244" cy="4945743"/>
+            <a:ext cx="7010317" cy="4112719"/>
           </a:xfrm>
           <a:prstGeom prst="rect">
             <a:avLst/>
@@ -10573,7 +10565,7 @@
         </p:nvSpPr>
         <p:spPr>
           <a:xfrm>
-            <a:off x="2679522" y="6260961"/>
+            <a:off x="1748669" y="5525701"/>
             <a:ext cx="4402295" cy="276999"/>
           </a:xfrm>
           <a:prstGeom prst="rect">
@@ -10594,6 +10586,121 @@
           </a:p>
         </p:txBody>
       </p:sp>
+      <p:pic>
+        <p:nvPicPr>
+          <p:cNvPr id="1026" name="Picture 2" descr="Light - Computer Graphics from Scratch - Gabriel Gambetta">
+            <a:extLst>
+              <a:ext uri="{FF2B5EF4-FFF2-40B4-BE49-F238E27FC236}">
+                <a16:creationId xmlns:a16="http://schemas.microsoft.com/office/drawing/2014/main" id="{7DD2266E-E14E-CC6E-470D-2284375A7F7E}"/>
+              </a:ext>
+            </a:extLst>
+          </p:cNvPr>
+          <p:cNvPicPr>
+            <a:picLocks noChangeAspect="1" noChangeArrowheads="1"/>
+          </p:cNvPicPr>
+          <p:nvPr/>
+        </p:nvPicPr>
+        <p:blipFill>
+          <a:blip r:embed="rId4">
+            <a:extLst>
+              <a:ext uri="{28A0092B-C50C-407E-A947-70E740481C1C}">
+                <a14:useLocalDpi xmlns:a14="http://schemas.microsoft.com/office/drawing/2010/main" val="0"/>
+              </a:ext>
+            </a:extLst>
+          </a:blip>
+          <a:srcRect/>
+          <a:stretch>
+            <a:fillRect/>
+          </a:stretch>
+        </p:blipFill>
+        <p:spPr bwMode="auto">
+          <a:xfrm>
+            <a:off x="7588776" y="1542238"/>
+            <a:ext cx="4402295" cy="2634277"/>
+          </a:xfrm>
+          <a:prstGeom prst="rect">
+            <a:avLst/>
+          </a:prstGeom>
+          <a:noFill/>
+          <a:extLst>
+            <a:ext uri="{909E8E84-426E-40DD-AFC4-6F175D3DCCD1}">
+              <a14:hiddenFill xmlns:a14="http://schemas.microsoft.com/office/drawing/2010/main">
+                <a:solidFill>
+                  <a:srgbClr val="FFFFFF"/>
+                </a:solidFill>
+              </a14:hiddenFill>
+            </a:ext>
+          </a:extLst>
+        </p:spPr>
+      </p:pic>
+      <p:pic>
+        <p:nvPicPr>
+          <p:cNvPr id="3" name="Picture 4">
+            <a:extLst>
+              <a:ext uri="{FF2B5EF4-FFF2-40B4-BE49-F238E27FC236}">
+                <a16:creationId xmlns:a16="http://schemas.microsoft.com/office/drawing/2014/main" id="{2A9493F3-C32F-39B6-3BFE-27F92A0C9CAF}"/>
+              </a:ext>
+            </a:extLst>
+          </p:cNvPr>
+          <p:cNvPicPr>
+            <a:picLocks noChangeAspect="1" noChangeArrowheads="1"/>
+          </p:cNvPicPr>
+          <p:nvPr/>
+        </p:nvPicPr>
+        <p:blipFill rotWithShape="1">
+          <a:blip r:embed="rId5">
+            <a:extLst>
+              <a:ext uri="{28A0092B-C50C-407E-A947-70E740481C1C}">
+                <a14:useLocalDpi xmlns:a14="http://schemas.microsoft.com/office/drawing/2010/main" val="0"/>
+              </a:ext>
+            </a:extLst>
+          </a:blip>
+          <a:srcRect r="60296" b="69499"/>
+          <a:stretch/>
+        </p:blipFill>
+        <p:spPr bwMode="auto">
+          <a:xfrm>
+            <a:off x="8194009" y="4286118"/>
+            <a:ext cx="2928694" cy="903813"/>
+          </a:xfrm>
+          <a:prstGeom prst="rect">
+            <a:avLst/>
+          </a:prstGeom>
+          <a:noFill/>
+          <a:ln>
+            <a:noFill/>
+          </a:ln>
+          <a:effectLst/>
+          <a:extLst>
+            <a:ext uri="{909E8E84-426E-40DD-AFC4-6F175D3DCCD1}">
+              <a14:hiddenFill xmlns:a14="http://schemas.microsoft.com/office/drawing/2010/main">
+                <a:solidFill>
+                  <a:schemeClr val="accent1"/>
+                </a:solidFill>
+              </a14:hiddenFill>
+            </a:ext>
+            <a:ext uri="{91240B29-F687-4F45-9708-019B960494DF}">
+              <a14:hiddenLine xmlns:a14="http://schemas.microsoft.com/office/drawing/2010/main" w="19050">
+                <a:solidFill>
+                  <a:schemeClr val="tx1"/>
+                </a:solidFill>
+                <a:miter lim="800000"/>
+                <a:headEnd/>
+                <a:tailEnd/>
+              </a14:hiddenLine>
+            </a:ext>
+            <a:ext uri="{AF507438-7753-43E0-B8FC-AC1667EBCBE1}">
+              <a14:hiddenEffects xmlns:a14="http://schemas.microsoft.com/office/drawing/2010/main">
+                <a:effectLst>
+                  <a:outerShdw dist="35921" dir="2700000" algn="ctr" rotWithShape="0">
+                    <a:schemeClr val="bg2"/>
+                  </a:outerShdw>
+                </a:effectLst>
+              </a14:hiddenEffects>
+            </a:ext>
+          </a:extLst>
+        </p:spPr>
+      </p:pic>
     </p:spTree>
     <p:extLst>
       <p:ext uri="{BB962C8B-B14F-4D97-AF65-F5344CB8AC3E}">
@@ -15739,8 +15846,8 @@
           </a:p>
         </p:txBody>
       </p:sp>
-      <mc:AlternateContent xmlns:mc="http://schemas.openxmlformats.org/markup-compatibility/2006">
-        <mc:Choice xmlns:a14="http://schemas.microsoft.com/office/drawing/2010/main" Requires="a14">
+      <mc:AlternateContent xmlns:mc="http://schemas.openxmlformats.org/markup-compatibility/2006" xmlns:a14="http://schemas.microsoft.com/office/drawing/2010/main">
+        <mc:Choice Requires="a14">
           <p:sp>
             <p:nvSpPr>
               <p:cNvPr id="3" name="내용 개체 틀 2">
@@ -16096,7 +16203,7 @@
             </p:txBody>
           </p:sp>
         </mc:Choice>
-        <mc:Fallback>
+        <mc:Fallback xmlns="">
           <p:sp>
             <p:nvSpPr>
               <p:cNvPr id="3" name="내용 개체 틀 2">
@@ -18305,8 +18412,8 @@
           </a:p>
         </p:txBody>
       </p:sp>
-      <mc:AlternateContent xmlns:mc="http://schemas.openxmlformats.org/markup-compatibility/2006">
-        <mc:Choice xmlns:a14="http://schemas.microsoft.com/office/drawing/2010/main" Requires="a14">
+      <mc:AlternateContent xmlns:mc="http://schemas.openxmlformats.org/markup-compatibility/2006" xmlns:a14="http://schemas.microsoft.com/office/drawing/2010/main">
+        <mc:Choice Requires="a14">
           <p:sp>
             <p:nvSpPr>
               <p:cNvPr id="3" name="내용 개체 틀 2">
@@ -19225,7 +19332,7 @@
             </p:txBody>
           </p:sp>
         </mc:Choice>
-        <mc:Fallback>
+        <mc:Fallback xmlns="">
           <p:sp>
             <p:nvSpPr>
               <p:cNvPr id="3" name="내용 개체 틀 2">
@@ -22852,6 +22959,15 @@
               </a:rPr>
               <a:t>// ambient strength</a:t>
             </a:r>
+            <a:r>
+              <a:rPr lang="en-US" altLang="ko-KR" i="1" dirty="0">
+                <a:solidFill>
+                  <a:srgbClr val="93A1A1"/>
+                </a:solidFill>
+                <a:latin typeface="Menlo" panose="020B0609030804020204" pitchFamily="49" charset="0"/>
+              </a:rPr>
+              <a:t>: ka</a:t>
+            </a:r>
             <a:endParaRPr lang="en-US" altLang="ko-KR" b="0" dirty="0">
               <a:solidFill>
                 <a:srgbClr val="333333"/>
@@ -22904,7 +23020,17 @@
                 <a:effectLst/>
                 <a:latin typeface="Menlo" panose="020B0609030804020204" pitchFamily="49" charset="0"/>
               </a:rPr>
-              <a:t>// diffuse strength</a:t>
+              <a:t>// diffuse strength: </a:t>
+            </a:r>
+            <a:r>
+              <a:rPr lang="en-US" altLang="ko-KR" b="0" i="1" dirty="0" err="1">
+                <a:solidFill>
+                  <a:srgbClr val="93A1A1"/>
+                </a:solidFill>
+                <a:effectLst/>
+                <a:latin typeface="Menlo" panose="020B0609030804020204" pitchFamily="49" charset="0"/>
+              </a:rPr>
+              <a:t>kd</a:t>
             </a:r>
             <a:endParaRPr lang="en-US" altLang="ko-KR" b="0" dirty="0">
               <a:solidFill>
@@ -24784,8 +24910,8 @@
           </a:extLst>
         </p:spPr>
       </p:cxnSp>
-      <mc:AlternateContent xmlns:mc="http://schemas.openxmlformats.org/markup-compatibility/2006" xmlns:a14="http://schemas.microsoft.com/office/drawing/2010/main">
-        <mc:Choice Requires="a14">
+      <mc:AlternateContent xmlns:mc="http://schemas.openxmlformats.org/markup-compatibility/2006">
+        <mc:Choice xmlns:a14="http://schemas.microsoft.com/office/drawing/2010/main" Requires="a14">
           <p:sp>
             <p:nvSpPr>
               <p:cNvPr id="11" name="직사각형 10">
@@ -24800,8 +24926,8 @@
             </p:nvSpPr>
             <p:spPr>
               <a:xfrm>
-                <a:off x="8924279" y="1233413"/>
-                <a:ext cx="1033553" cy="369332"/>
+                <a:off x="9124562" y="1248181"/>
+                <a:ext cx="829843" cy="369332"/>
               </a:xfrm>
               <a:prstGeom prst="rect">
                 <a:avLst/>
@@ -24826,7 +24952,7 @@
                           <a:latin typeface="Cambria Math" panose="02040503050406030204" pitchFamily="18" charset="0"/>
                           <a:ea typeface="Cambria Math" panose="02040503050406030204" pitchFamily="18" charset="0"/>
                         </a:rPr>
-                        <m:t>𝑛𝑜𝑟𝑚𝑎𝑙</m:t>
+                        <m:t>𝑛𝑜𝑟𝑚</m:t>
                       </m:r>
                     </m:oMath>
                   </m:oMathPara>
@@ -24836,7 +24962,7 @@
             </p:txBody>
           </p:sp>
         </mc:Choice>
-        <mc:Fallback xmlns="">
+        <mc:Fallback>
           <p:sp>
             <p:nvSpPr>
               <p:cNvPr id="11" name="직사각형 10">
@@ -24853,8 +24979,8 @@
             </p:nvSpPr>
             <p:spPr>
               <a:xfrm>
-                <a:off x="8924279" y="1233413"/>
-                <a:ext cx="1033553" cy="369332"/>
+                <a:off x="9124562" y="1248181"/>
+                <a:ext cx="829843" cy="369332"/>
               </a:xfrm>
               <a:prstGeom prst="rect">
                 <a:avLst/>
